--- a/day3/lecture3_hierarchical_models.pptx
+++ b/day3/lecture3_hierarchical_models.pptx
@@ -226,7 +226,7 @@
           <a:p>
             <a:fld id="{B73D2FB9-C09F-4CC9-B56B-0E79DA024731}" type="datetimeFigureOut">
               <a:rPr lang="en-US" smtClean="0"/>
-              <a:t>1/16/2018</a:t>
+              <a:t>1/25/2018</a:t>
             </a:fld>
             <a:endParaRPr lang="en-US"/>
           </a:p>
@@ -710,7 +710,7 @@
           </a:ln>
           <a:extLst>
             <a:ext uri="{909E8E84-426E-40dd-AFC4-6F175D3DCCD1}">
-              <a14:hiddenFill xmlns:a14="http://schemas.microsoft.com/office/drawing/2010/main" xmlns="">
+              <a14:hiddenFill xmlns="" xmlns:a14="http://schemas.microsoft.com/office/drawing/2010/main">
                 <a:solidFill>
                   <a:srgbClr val="FFFFFF"/>
                 </a:solidFill>
@@ -753,7 +753,7 @@
           </a:ln>
           <a:extLst>
             <a:ext uri="{909E8E84-426E-40dd-AFC4-6F175D3DCCD1}">
-              <a14:hiddenFill xmlns:a14="http://schemas.microsoft.com/office/drawing/2010/main" xmlns="">
+              <a14:hiddenFill xmlns="" xmlns:a14="http://schemas.microsoft.com/office/drawing/2010/main">
                 <a:noFill/>
               </a14:hiddenFill>
             </a:ext>
@@ -852,7 +852,7 @@
           <a:p>
             <a:fld id="{F0CB9312-5056-4516-B0B3-1BA46E265C4B}" type="datetime1">
               <a:rPr lang="en-US" smtClean="0"/>
-              <a:t>1/16/2018</a:t>
+              <a:t>1/25/2018</a:t>
             </a:fld>
             <a:endParaRPr lang="en-US"/>
           </a:p>
@@ -1039,7 +1039,7 @@
           <a:p>
             <a:fld id="{16607887-FEB2-4BA6-932D-CE0DD392FE06}" type="datetime1">
               <a:rPr lang="en-US" smtClean="0"/>
-              <a:t>1/16/2018</a:t>
+              <a:t>1/25/2018</a:t>
             </a:fld>
             <a:endParaRPr lang="en-US"/>
           </a:p>
@@ -1235,7 +1235,7 @@
           <a:p>
             <a:fld id="{A8CFC0FA-350A-4748-A631-EA28A8B55DBC}" type="datetime1">
               <a:rPr lang="en-US" smtClean="0"/>
-              <a:t>1/16/2018</a:t>
+              <a:t>1/25/2018</a:t>
             </a:fld>
             <a:endParaRPr lang="en-US"/>
           </a:p>
@@ -1487,7 +1487,7 @@
           <a:p>
             <a:fld id="{6FD47DE1-50BE-488C-B737-D683E801895A}" type="datetime1">
               <a:rPr lang="en-US" smtClean="0"/>
-              <a:t>1/16/2018</a:t>
+              <a:t>1/25/2018</a:t>
             </a:fld>
             <a:endParaRPr lang="en-US"/>
           </a:p>
@@ -1711,7 +1711,7 @@
           <a:p>
             <a:fld id="{DBFB2E17-432F-4613-BE67-EF4D25BA76C4}" type="datetime1">
               <a:rPr lang="en-US" smtClean="0"/>
-              <a:t>1/16/2018</a:t>
+              <a:t>1/25/2018</a:t>
             </a:fld>
             <a:endParaRPr lang="en-US"/>
           </a:p>
@@ -2019,7 +2019,7 @@
           <a:p>
             <a:fld id="{1A96DF75-83A0-48D8-9840-7C3238B34CE2}" type="datetime1">
               <a:rPr lang="en-US" smtClean="0"/>
-              <a:t>1/16/2018</a:t>
+              <a:t>1/25/2018</a:t>
             </a:fld>
             <a:endParaRPr lang="en-US"/>
           </a:p>
@@ -2187,7 +2187,7 @@
           <a:p>
             <a:fld id="{943A2BC6-FE43-4DFE-9A39-D43AE218E213}" type="datetime1">
               <a:rPr lang="en-US" smtClean="0"/>
-              <a:t>1/16/2018</a:t>
+              <a:t>1/25/2018</a:t>
             </a:fld>
             <a:endParaRPr lang="en-US"/>
           </a:p>
@@ -2499,7 +2499,7 @@
           <a:p>
             <a:fld id="{E504FC86-51F1-4186-8171-16956FEFEB9B}" type="datetime1">
               <a:rPr lang="en-US" smtClean="0"/>
-              <a:t>1/16/2018</a:t>
+              <a:t>1/25/2018</a:t>
             </a:fld>
             <a:endParaRPr lang="en-US"/>
           </a:p>
@@ -2811,7 +2811,7 @@
           <a:p>
             <a:fld id="{F2B37B05-449B-42DD-B47A-C504FA8A0DC2}" type="datetime1">
               <a:rPr lang="en-US" smtClean="0"/>
-              <a:t>1/16/2018</a:t>
+              <a:t>1/25/2018</a:t>
             </a:fld>
             <a:endParaRPr lang="en-US"/>
           </a:p>
@@ -3031,7 +3031,7 @@
           <a:p>
             <a:fld id="{2FD0121D-D8B8-43EF-852E-463B4D7E7813}" type="datetime1">
               <a:rPr lang="en-US" smtClean="0"/>
-              <a:t>1/16/2018</a:t>
+              <a:t>1/25/2018</a:t>
             </a:fld>
             <a:endParaRPr lang="en-US"/>
           </a:p>
@@ -3229,7 +3229,7 @@
           <a:p>
             <a:fld id="{08CF9ED3-EEE5-478E-BB9E-5273A10BF027}" type="datetime1">
               <a:rPr lang="en-US" smtClean="0"/>
-              <a:t>1/16/2018</a:t>
+              <a:t>1/25/2018</a:t>
             </a:fld>
             <a:endParaRPr lang="en-US"/>
           </a:p>
@@ -3415,7 +3415,7 @@
           <a:p>
             <a:fld id="{8FA6DD50-B08A-43CC-A141-FD9BE7077FF1}" type="datetime1">
               <a:rPr lang="en-US" smtClean="0"/>
-              <a:t>1/16/2018</a:t>
+              <a:t>1/25/2018</a:t>
             </a:fld>
             <a:endParaRPr lang="en-US"/>
           </a:p>
@@ -3690,7 +3690,7 @@
           <a:p>
             <a:fld id="{8B90459A-1A12-499C-96BB-744DEFD9A020}" type="datetime1">
               <a:rPr lang="en-US" smtClean="0"/>
-              <a:t>1/16/2018</a:t>
+              <a:t>1/25/2018</a:t>
             </a:fld>
             <a:endParaRPr lang="en-US"/>
           </a:p>
@@ -3955,7 +3955,7 @@
           <a:p>
             <a:fld id="{6F3C9607-6441-4692-AC73-CD07DE758120}" type="datetime1">
               <a:rPr lang="en-US" smtClean="0"/>
-              <a:t>1/16/2018</a:t>
+              <a:t>1/25/2018</a:t>
             </a:fld>
             <a:endParaRPr lang="en-US"/>
           </a:p>
@@ -4367,7 +4367,7 @@
           <a:p>
             <a:fld id="{BDE43F70-D31D-43E0-BB97-FF935D12919A}" type="datetime1">
               <a:rPr lang="en-US" smtClean="0"/>
-              <a:t>1/16/2018</a:t>
+              <a:t>1/25/2018</a:t>
             </a:fld>
             <a:endParaRPr lang="en-US"/>
           </a:p>
@@ -4508,7 +4508,7 @@
           <a:p>
             <a:fld id="{F11C4F41-0733-4C3F-BACD-EBADCFC0627F}" type="datetime1">
               <a:rPr lang="en-US" smtClean="0"/>
-              <a:t>1/16/2018</a:t>
+              <a:t>1/25/2018</a:t>
             </a:fld>
             <a:endParaRPr lang="en-US"/>
           </a:p>
@@ -4621,7 +4621,7 @@
           <a:p>
             <a:fld id="{69C04739-47E5-476A-8C17-40BB1F92E295}" type="datetime1">
               <a:rPr lang="en-US" smtClean="0"/>
-              <a:t>1/16/2018</a:t>
+              <a:t>1/25/2018</a:t>
             </a:fld>
             <a:endParaRPr lang="en-US"/>
           </a:p>
@@ -4932,7 +4932,7 @@
           <a:p>
             <a:fld id="{FAB00FBE-9801-4FE9-B953-BA6547324D2A}" type="datetime1">
               <a:rPr lang="en-US" smtClean="0"/>
-              <a:t>1/16/2018</a:t>
+              <a:t>1/25/2018</a:t>
             </a:fld>
             <a:endParaRPr lang="en-US"/>
           </a:p>
@@ -5223,7 +5223,7 @@
           <a:p>
             <a:fld id="{97AD2EFE-FCB3-460E-A6AD-BEC3FDB00739}" type="datetime1">
               <a:rPr lang="en-US" smtClean="0"/>
-              <a:t>1/16/2018</a:t>
+              <a:t>1/25/2018</a:t>
             </a:fld>
             <a:endParaRPr lang="en-US"/>
           </a:p>
@@ -5421,7 +5421,7 @@
           <a:p>
             <a:fld id="{FDC1BBD5-9A13-4273-8CB8-9C410FE9AE14}" type="datetime1">
               <a:rPr lang="en-US" smtClean="0"/>
-              <a:t>1/16/2018</a:t>
+              <a:t>1/25/2018</a:t>
             </a:fld>
             <a:endParaRPr lang="en-US"/>
           </a:p>
@@ -5629,7 +5629,7 @@
           <a:p>
             <a:fld id="{55CFC0F8-B5C9-4799-BAD4-B82F5718272A}" type="datetime1">
               <a:rPr lang="en-US" smtClean="0"/>
-              <a:t>1/16/2018</a:t>
+              <a:t>1/25/2018</a:t>
             </a:fld>
             <a:endParaRPr lang="en-US"/>
           </a:p>
@@ -5838,7 +5838,7 @@
           <a:p>
             <a:fld id="{174DF2B9-4827-412A-921B-1962383D244D}" type="datetime1">
               <a:rPr lang="en-US" smtClean="0"/>
-              <a:t>1/16/2018</a:t>
+              <a:t>1/25/2018</a:t>
             </a:fld>
             <a:endParaRPr lang="en-US"/>
           </a:p>
@@ -6141,7 +6141,7 @@
           <a:p>
             <a:fld id="{EBDE024F-4D63-49E9-A4DE-222DA73C3C7C}" type="datetime1">
               <a:rPr lang="en-US" smtClean="0"/>
-              <a:t>1/16/2018</a:t>
+              <a:t>1/25/2018</a:t>
             </a:fld>
             <a:endParaRPr lang="en-US"/>
           </a:p>
@@ -6583,7 +6583,7 @@
           <a:p>
             <a:fld id="{AF58C2B1-7311-408D-A473-68FD31A50D1A}" type="datetime1">
               <a:rPr lang="en-US" smtClean="0"/>
-              <a:t>1/16/2018</a:t>
+              <a:t>1/25/2018</a:t>
             </a:fld>
             <a:endParaRPr lang="en-US"/>
           </a:p>
@@ -6718,7 +6718,7 @@
           <a:p>
             <a:fld id="{1F99BAD5-F672-41C1-9028-268180C191CF}" type="datetime1">
               <a:rPr lang="en-US" smtClean="0"/>
-              <a:t>1/16/2018</a:t>
+              <a:t>1/25/2018</a:t>
             </a:fld>
             <a:endParaRPr lang="en-US"/>
           </a:p>
@@ -6831,7 +6831,7 @@
           <a:p>
             <a:fld id="{46D8ED61-BF3F-472D-A44E-45B5F5EE1D1C}" type="datetime1">
               <a:rPr lang="en-US" smtClean="0"/>
-              <a:t>1/16/2018</a:t>
+              <a:t>1/25/2018</a:t>
             </a:fld>
             <a:endParaRPr lang="en-US"/>
           </a:p>
@@ -7124,7 +7124,7 @@
           <a:p>
             <a:fld id="{6081B8D3-1ED2-4A6B-AC81-672CF73BB3E8}" type="datetime1">
               <a:rPr lang="en-US" smtClean="0"/>
-              <a:t>1/16/2018</a:t>
+              <a:t>1/25/2018</a:t>
             </a:fld>
             <a:endParaRPr lang="en-US"/>
           </a:p>
@@ -7398,7 +7398,7 @@
           <a:p>
             <a:fld id="{A3DDED71-568A-4911-B4EE-064B0A0EA273}" type="datetime1">
               <a:rPr lang="en-US" smtClean="0"/>
-              <a:t>1/16/2018</a:t>
+              <a:t>1/25/2018</a:t>
             </a:fld>
             <a:endParaRPr lang="en-US"/>
           </a:p>
@@ -7520,17 +7520,17 @@
           </a:ln>
           <a:extLst>
             <a:ext uri="{FAA26D3D-D897-4be2-8F04-BA451C77F1D7}">
-              <ma14:placeholderFlag xmlns:ma14="http://schemas.microsoft.com/office/mac/drawingml/2011/main" xmlns="" val="1"/>
+              <ma14:placeholderFlag xmlns="" xmlns:ma14="http://schemas.microsoft.com/office/mac/drawingml/2011/main" val="1"/>
             </a:ext>
             <a:ext uri="{909E8E84-426E-40dd-AFC4-6F175D3DCCD1}">
-              <a14:hiddenFill xmlns:a14="http://schemas.microsoft.com/office/drawing/2010/main" xmlns="">
+              <a14:hiddenFill xmlns="" xmlns:a14="http://schemas.microsoft.com/office/drawing/2010/main">
                 <a:solidFill>
                   <a:srgbClr val="FFFFFF"/>
                 </a:solidFill>
               </a14:hiddenFill>
             </a:ext>
             <a:ext uri="{91240B29-F687-4f45-9708-019B960494DF}">
-              <a14:hiddenLine xmlns:a14="http://schemas.microsoft.com/office/drawing/2010/main" xmlns="" w="9525">
+              <a14:hiddenLine xmlns="" xmlns:a14="http://schemas.microsoft.com/office/drawing/2010/main" w="9525">
                 <a:solidFill>
                   <a:srgbClr val="000000"/>
                 </a:solidFill>
@@ -7582,17 +7582,17 @@
           </a:ln>
           <a:extLst>
             <a:ext uri="{FAA26D3D-D897-4be2-8F04-BA451C77F1D7}">
-              <ma14:placeholderFlag xmlns:ma14="http://schemas.microsoft.com/office/mac/drawingml/2011/main" xmlns="" val="1"/>
+              <ma14:placeholderFlag xmlns="" xmlns:ma14="http://schemas.microsoft.com/office/mac/drawingml/2011/main" val="1"/>
             </a:ext>
             <a:ext uri="{909E8E84-426E-40dd-AFC4-6F175D3DCCD1}">
-              <a14:hiddenFill xmlns:a14="http://schemas.microsoft.com/office/drawing/2010/main" xmlns="">
+              <a14:hiddenFill xmlns="" xmlns:a14="http://schemas.microsoft.com/office/drawing/2010/main">
                 <a:solidFill>
                   <a:srgbClr val="FFFFFF"/>
                 </a:solidFill>
               </a14:hiddenFill>
             </a:ext>
             <a:ext uri="{91240B29-F687-4f45-9708-019B960494DF}">
-              <a14:hiddenLine xmlns:a14="http://schemas.microsoft.com/office/drawing/2010/main" xmlns="" w="9525">
+              <a14:hiddenLine xmlns="" xmlns:a14="http://schemas.microsoft.com/office/drawing/2010/main" w="9525">
                 <a:solidFill>
                   <a:srgbClr val="000000"/>
                 </a:solidFill>
@@ -7692,7 +7692,7 @@
           <a:p>
             <a:fld id="{0D08DE88-8F28-479E-A784-36287F781102}" type="datetime1">
               <a:rPr lang="en-US" smtClean="0"/>
-              <a:t>1/16/2018</a:t>
+              <a:t>1/25/2018</a:t>
             </a:fld>
             <a:endParaRPr lang="en-US"/>
           </a:p>
@@ -7860,7 +7860,7 @@
           </a:ln>
           <a:extLst>
             <a:ext uri="{909E8E84-426E-40dd-AFC4-6F175D3DCCD1}">
-              <a14:hiddenFill xmlns:a14="http://schemas.microsoft.com/office/drawing/2010/main" xmlns="">
+              <a14:hiddenFill xmlns="" xmlns:a14="http://schemas.microsoft.com/office/drawing/2010/main">
                 <a:solidFill>
                   <a:srgbClr val="FFFFFF"/>
                 </a:solidFill>
@@ -7903,7 +7903,7 @@
           </a:ln>
           <a:extLst>
             <a:ext uri="{909E8E84-426E-40dd-AFC4-6F175D3DCCD1}">
-              <a14:hiddenFill xmlns:a14="http://schemas.microsoft.com/office/drawing/2010/main" xmlns="">
+              <a14:hiddenFill xmlns="" xmlns:a14="http://schemas.microsoft.com/office/drawing/2010/main">
                 <a:noFill/>
               </a14:hiddenFill>
             </a:ext>
@@ -8539,7 +8539,7 @@
           <a:p>
             <a:fld id="{186D7BF2-6FEE-43E2-BBF2-270D71B49D2A}" type="datetime1">
               <a:rPr lang="en-US" smtClean="0"/>
-              <a:t>1/16/2018</a:t>
+              <a:t>1/25/2018</a:t>
             </a:fld>
             <a:endParaRPr lang="en-US"/>
           </a:p>
@@ -9013,17 +9013,17 @@
           </a:ln>
           <a:extLst>
             <a:ext uri="{FAA26D3D-D897-4be2-8F04-BA451C77F1D7}">
-              <ma14:placeholderFlag xmlns:ma14="http://schemas.microsoft.com/office/mac/drawingml/2011/main" xmlns="" val="1"/>
+              <ma14:placeholderFlag xmlns="" xmlns:ma14="http://schemas.microsoft.com/office/mac/drawingml/2011/main" val="1"/>
             </a:ext>
             <a:ext uri="{909E8E84-426E-40dd-AFC4-6F175D3DCCD1}">
-              <a14:hiddenFill xmlns:a14="http://schemas.microsoft.com/office/drawing/2010/main" xmlns="">
+              <a14:hiddenFill xmlns="" xmlns:a14="http://schemas.microsoft.com/office/drawing/2010/main">
                 <a:solidFill>
                   <a:srgbClr val="FFFFFF"/>
                 </a:solidFill>
               </a14:hiddenFill>
             </a:ext>
             <a:ext uri="{91240B29-F687-4f45-9708-019B960494DF}">
-              <a14:hiddenLine xmlns:a14="http://schemas.microsoft.com/office/drawing/2010/main" xmlns="" w="9525">
+              <a14:hiddenLine xmlns="" xmlns:a14="http://schemas.microsoft.com/office/drawing/2010/main" w="9525">
                 <a:solidFill>
                   <a:srgbClr val="000000"/>
                 </a:solidFill>
@@ -9311,8 +9311,8 @@
           </a:p>
         </p:txBody>
       </p:sp>
-      <mc:AlternateContent xmlns:mc="http://schemas.openxmlformats.org/markup-compatibility/2006">
-        <mc:Choice xmlns:a14="http://schemas.microsoft.com/office/drawing/2010/main" Requires="a14">
+      <mc:AlternateContent xmlns:mc="http://schemas.openxmlformats.org/markup-compatibility/2006" xmlns:a14="http://schemas.microsoft.com/office/drawing/2010/main">
+        <mc:Choice Requires="a14">
           <p:sp>
             <p:nvSpPr>
               <p:cNvPr id="3" name="Content Placeholder 2"/>
@@ -10089,7 +10089,7 @@
             </p:txBody>
           </p:sp>
         </mc:Choice>
-        <mc:Fallback>
+        <mc:Fallback xmlns="">
           <p:sp>
             <p:nvSpPr>
               <p:cNvPr id="3" name="Content Placeholder 2"/>
@@ -10153,6 +10153,41 @@
               <a:t>10</a:t>
             </a:fld>
             <a:endParaRPr lang="en-US"/>
+          </a:p>
+        </p:txBody>
+      </p:sp>
+      <p:sp>
+        <p:nvSpPr>
+          <p:cNvPr id="5" name="TextBox 4">
+            <a:extLst>
+              <a:ext uri="{FF2B5EF4-FFF2-40B4-BE49-F238E27FC236}">
+                <a16:creationId xmlns:a16="http://schemas.microsoft.com/office/drawing/2014/main" id="{B1505FDF-20A8-4532-9C11-64B80CFA1377}"/>
+              </a:ext>
+            </a:extLst>
+          </p:cNvPr>
+          <p:cNvSpPr txBox="1"/>
+          <p:nvPr/>
+        </p:nvSpPr>
+        <p:spPr>
+          <a:xfrm>
+            <a:off x="233082" y="6423839"/>
+            <a:ext cx="7646893" cy="307777"/>
+          </a:xfrm>
+          <a:prstGeom prst="rect">
+            <a:avLst/>
+          </a:prstGeom>
+          <a:noFill/>
+        </p:spPr>
+        <p:txBody>
+          <a:bodyPr wrap="square" rtlCol="0">
+            <a:spAutoFit/>
+          </a:bodyPr>
+          <a:lstStyle/>
+          <a:p>
+            <a:r>
+              <a:rPr lang="en-US" sz="1400" dirty="0"/>
+              <a:t>Some slides borrowed from: https://github.com/James-Thorson/2016_Spatio-temporal_models</a:t>
+            </a:r>
           </a:p>
         </p:txBody>
       </p:sp>
@@ -10965,8 +11000,8 @@
           </a:p>
         </p:txBody>
       </p:sp>
-      <mc:AlternateContent xmlns:mc="http://schemas.openxmlformats.org/markup-compatibility/2006">
-        <mc:Choice xmlns:a14="http://schemas.microsoft.com/office/drawing/2010/main" Requires="a14">
+      <mc:AlternateContent xmlns:mc="http://schemas.openxmlformats.org/markup-compatibility/2006" xmlns:a14="http://schemas.microsoft.com/office/drawing/2010/main">
+        <mc:Choice Requires="a14">
           <p:sp>
             <p:nvSpPr>
               <p:cNvPr id="3" name="Content Placeholder 2"/>
@@ -11320,7 +11355,7 @@
             </p:txBody>
           </p:sp>
         </mc:Choice>
-        <mc:Fallback>
+        <mc:Fallback xmlns="">
           <p:sp>
             <p:nvSpPr>
               <p:cNvPr id="3" name="Content Placeholder 2"/>
@@ -11679,8 +11714,8 @@
           </a:p>
         </p:txBody>
       </p:sp>
-      <mc:AlternateContent xmlns:mc="http://schemas.openxmlformats.org/markup-compatibility/2006">
-        <mc:Choice xmlns:a14="http://schemas.microsoft.com/office/drawing/2010/main" Requires="a14">
+      <mc:AlternateContent xmlns:mc="http://schemas.openxmlformats.org/markup-compatibility/2006" xmlns:a14="http://schemas.microsoft.com/office/drawing/2010/main">
+        <mc:Choice Requires="a14">
           <p:sp>
             <p:nvSpPr>
               <p:cNvPr id="3" name="Content Placeholder 2"/>
@@ -13000,7 +13035,7 @@
             </p:txBody>
           </p:sp>
         </mc:Choice>
-        <mc:Fallback>
+        <mc:Fallback xmlns="">
           <p:sp>
             <p:nvSpPr>
               <p:cNvPr id="3" name="Content Placeholder 2"/>
@@ -13119,8 +13154,8 @@
           </a:p>
         </p:txBody>
       </p:sp>
-      <mc:AlternateContent xmlns:mc="http://schemas.openxmlformats.org/markup-compatibility/2006">
-        <mc:Choice xmlns:a14="http://schemas.microsoft.com/office/drawing/2010/main" Requires="a14">
+      <mc:AlternateContent xmlns:mc="http://schemas.openxmlformats.org/markup-compatibility/2006" xmlns:a14="http://schemas.microsoft.com/office/drawing/2010/main">
+        <mc:Choice Requires="a14">
           <p:sp>
             <p:nvSpPr>
               <p:cNvPr id="3" name="Content Placeholder 2"/>
@@ -14590,7 +14625,7 @@
             </p:txBody>
           </p:sp>
         </mc:Choice>
-        <mc:Fallback>
+        <mc:Fallback xmlns="">
           <p:sp>
             <p:nvSpPr>
               <p:cNvPr id="3" name="Content Placeholder 2"/>
@@ -14709,8 +14744,8 @@
           </a:p>
         </p:txBody>
       </p:sp>
-      <mc:AlternateContent xmlns:mc="http://schemas.openxmlformats.org/markup-compatibility/2006">
-        <mc:Choice xmlns:a14="http://schemas.microsoft.com/office/drawing/2010/main" Requires="a14">
+      <mc:AlternateContent xmlns:mc="http://schemas.openxmlformats.org/markup-compatibility/2006" xmlns:a14="http://schemas.microsoft.com/office/drawing/2010/main">
+        <mc:Choice Requires="a14">
           <p:sp>
             <p:nvSpPr>
               <p:cNvPr id="3" name="Content Placeholder 2"/>
@@ -15663,7 +15698,7 @@
             </p:txBody>
           </p:sp>
         </mc:Choice>
-        <mc:Fallback>
+        <mc:Fallback xmlns="">
           <p:sp>
             <p:nvSpPr>
               <p:cNvPr id="3" name="Content Placeholder 2"/>
@@ -15788,8 +15823,8 @@
           </a:p>
         </p:txBody>
       </p:sp>
-      <mc:AlternateContent xmlns:mc="http://schemas.openxmlformats.org/markup-compatibility/2006">
-        <mc:Choice xmlns:a14="http://schemas.microsoft.com/office/drawing/2010/main" Requires="a14">
+      <mc:AlternateContent xmlns:mc="http://schemas.openxmlformats.org/markup-compatibility/2006" xmlns:a14="http://schemas.microsoft.com/office/drawing/2010/main">
+        <mc:Choice Requires="a14">
           <p:sp>
             <p:nvSpPr>
               <p:cNvPr id="3" name="Content Placeholder 2">
@@ -16023,7 +16058,7 @@
             </p:txBody>
           </p:sp>
         </mc:Choice>
-        <mc:Fallback>
+        <mc:Fallback xmlns="">
           <p:sp>
             <p:nvSpPr>
               <p:cNvPr id="3" name="Content Placeholder 2">
@@ -17535,8 +17570,8 @@
           </a:p>
         </p:txBody>
       </p:sp>
-      <mc:AlternateContent xmlns:mc="http://schemas.openxmlformats.org/markup-compatibility/2006">
-        <mc:Choice xmlns:a14="http://schemas.microsoft.com/office/drawing/2010/main" Requires="a14">
+      <mc:AlternateContent xmlns:mc="http://schemas.openxmlformats.org/markup-compatibility/2006" xmlns:a14="http://schemas.microsoft.com/office/drawing/2010/main">
+        <mc:Choice Requires="a14">
           <p:sp>
             <p:nvSpPr>
               <p:cNvPr id="3" name="Content Placeholder 2"/>
@@ -17942,7 +17977,7 @@
             </p:txBody>
           </p:sp>
         </mc:Choice>
-        <mc:Fallback>
+        <mc:Fallback xmlns="">
           <p:sp>
             <p:nvSpPr>
               <p:cNvPr id="3" name="Content Placeholder 2"/>
@@ -18072,8 +18107,8 @@
           </a:p>
         </p:txBody>
       </p:sp>
-      <mc:AlternateContent xmlns:mc="http://schemas.openxmlformats.org/markup-compatibility/2006">
-        <mc:Choice xmlns:a14="http://schemas.microsoft.com/office/drawing/2010/main" Requires="a14">
+      <mc:AlternateContent xmlns:mc="http://schemas.openxmlformats.org/markup-compatibility/2006" xmlns:a14="http://schemas.microsoft.com/office/drawing/2010/main">
+        <mc:Choice Requires="a14">
           <p:sp>
             <p:nvSpPr>
               <p:cNvPr id="3" name="Content Placeholder 2">
@@ -18231,7 +18266,7 @@
             </p:txBody>
           </p:sp>
         </mc:Choice>
-        <mc:Fallback>
+        <mc:Fallback xmlns="">
           <p:sp>
             <p:nvSpPr>
               <p:cNvPr id="3" name="Content Placeholder 2">
@@ -20280,7 +20315,7 @@
           <a:graphicData uri="http://schemas.openxmlformats.org/presentationml/2006/ole">
             <mc:AlternateContent xmlns:mc="http://schemas.openxmlformats.org/markup-compatibility/2006">
               <mc:Choice xmlns:v="urn:schemas-microsoft-com:vml" Requires="v">
-                <p:oleObj spid="_x0000_s8279" name="Equation" r:id="rId4" imgW="1028520" imgH="203040" progId="Equation.DSMT4">
+                <p:oleObj spid="_x0000_s8285" name="Equation" r:id="rId4" imgW="1028520" imgH="203040" progId="Equation.DSMT4">
                   <p:embed/>
                 </p:oleObj>
               </mc:Choice>
@@ -20325,7 +20360,7 @@
                       <a:effectLst/>
                       <a:extLst>
                         <a:ext uri="{91240B29-F687-4f45-9708-019B960494DF}">
-                          <a14:hiddenLine xmlns:a14="http://schemas.microsoft.com/office/drawing/2010/main" xmlns="" w="9525">
+                          <a14:hiddenLine xmlns="" xmlns:a14="http://schemas.microsoft.com/office/drawing/2010/main" w="9525">
                             <a:solidFill>
                               <a:srgbClr val="000000"/>
                             </a:solidFill>
@@ -20335,7 +20370,7 @@
                           </a14:hiddenLine>
                         </a:ext>
                         <a:ext uri="{AF507438-7753-43e0-B8FC-AC1667EBCBE1}">
-                          <a14:hiddenEffects xmlns:a14="http://schemas.microsoft.com/office/drawing/2010/main" xmlns="">
+                          <a14:hiddenEffects xmlns="" xmlns:a14="http://schemas.microsoft.com/office/drawing/2010/main">
                             <a:effectLst>
                               <a:outerShdw dist="35921" dir="2700000" algn="ctr" rotWithShape="0">
                                 <a:srgbClr val="808080"/>
@@ -20380,7 +20415,7 @@
           <a:graphicData uri="http://schemas.openxmlformats.org/presentationml/2006/ole">
             <mc:AlternateContent xmlns:mc="http://schemas.openxmlformats.org/markup-compatibility/2006">
               <mc:Choice xmlns:v="urn:schemas-microsoft-com:vml" Requires="v">
-                <p:oleObj spid="_x0000_s8280" name="Equation" r:id="rId6" imgW="876240" imgH="228600" progId="Equation.DSMT4">
+                <p:oleObj spid="_x0000_s8286" name="Equation" r:id="rId6" imgW="876240" imgH="228600" progId="Equation.DSMT4">
                   <p:embed/>
                 </p:oleObj>
               </mc:Choice>
@@ -20425,7 +20460,7 @@
                       <a:effectLst/>
                       <a:extLst>
                         <a:ext uri="{91240B29-F687-4f45-9708-019B960494DF}">
-                          <a14:hiddenLine xmlns:a14="http://schemas.microsoft.com/office/drawing/2010/main" xmlns="" w="9525">
+                          <a14:hiddenLine xmlns="" xmlns:a14="http://schemas.microsoft.com/office/drawing/2010/main" w="9525">
                             <a:solidFill>
                               <a:srgbClr val="000000"/>
                             </a:solidFill>
@@ -20435,7 +20470,7 @@
                           </a14:hiddenLine>
                         </a:ext>
                         <a:ext uri="{AF507438-7753-43e0-B8FC-AC1667EBCBE1}">
-                          <a14:hiddenEffects xmlns:a14="http://schemas.microsoft.com/office/drawing/2010/main" xmlns="">
+                          <a14:hiddenEffects xmlns="" xmlns:a14="http://schemas.microsoft.com/office/drawing/2010/main">
                             <a:effectLst>
                               <a:outerShdw dist="35921" dir="2700000" algn="ctr" rotWithShape="0">
                                 <a:srgbClr val="808080"/>
@@ -20509,7 +20544,7 @@
           <a:graphicData uri="http://schemas.openxmlformats.org/presentationml/2006/ole">
             <mc:AlternateContent xmlns:mc="http://schemas.openxmlformats.org/markup-compatibility/2006">
               <mc:Choice xmlns:v="urn:schemas-microsoft-com:vml" Requires="v">
-                <p:oleObj spid="_x0000_s8281" name="Equation" r:id="rId8" imgW="469800" imgH="228600" progId="Equation.DSMT4">
+                <p:oleObj spid="_x0000_s8287" name="Equation" r:id="rId8" imgW="469800" imgH="228600" progId="Equation.DSMT4">
                   <p:embed/>
                 </p:oleObj>
               </mc:Choice>
@@ -20554,7 +20589,7 @@
                       <a:effectLst/>
                       <a:extLst>
                         <a:ext uri="{91240B29-F687-4f45-9708-019B960494DF}">
-                          <a14:hiddenLine xmlns:a14="http://schemas.microsoft.com/office/drawing/2010/main" xmlns="" w="9525">
+                          <a14:hiddenLine xmlns="" xmlns:a14="http://schemas.microsoft.com/office/drawing/2010/main" w="9525">
                             <a:solidFill>
                               <a:srgbClr val="000000"/>
                             </a:solidFill>
@@ -20564,7 +20599,7 @@
                           </a14:hiddenLine>
                         </a:ext>
                         <a:ext uri="{AF507438-7753-43e0-B8FC-AC1667EBCBE1}">
-                          <a14:hiddenEffects xmlns:a14="http://schemas.microsoft.com/office/drawing/2010/main" xmlns="">
+                          <a14:hiddenEffects xmlns="" xmlns:a14="http://schemas.microsoft.com/office/drawing/2010/main">
                             <a:effectLst>
                               <a:outerShdw dist="35921" dir="2700000" algn="ctr" rotWithShape="0">
                                 <a:srgbClr val="808080"/>
